--- a/review/task2_review.pptx
+++ b/review/task2_review.pptx
@@ -18,6 +18,7 @@
     <p:sldId id="266" r:id="rId12"/>
     <p:sldId id="267" r:id="rId13"/>
     <p:sldId id="268" r:id="rId14"/>
+    <p:sldId id="269" r:id="rId15"/>
   </p:sldIdLst>
   <p:sldSz cx="12192000" cy="6858000"/>
   <p:notesSz cx="6858000" cy="9144000"/>
@@ -282,7 +283,7 @@
           <a:p>
             <a:fld id="{965F2548-BC9C-4475-B21A-F1F1BFD43EA5}" type="datetimeFigureOut">
               <a:rPr lang="en-US" smtClean="0"/>
-              <a:t>2/10/2021</a:t>
+              <a:t>2/28/2021</a:t>
             </a:fld>
             <a:endParaRPr lang="en-US"/>
           </a:p>
@@ -480,7 +481,7 @@
           <a:p>
             <a:fld id="{965F2548-BC9C-4475-B21A-F1F1BFD43EA5}" type="datetimeFigureOut">
               <a:rPr lang="en-US" smtClean="0"/>
-              <a:t>2/10/2021</a:t>
+              <a:t>2/28/2021</a:t>
             </a:fld>
             <a:endParaRPr lang="en-US"/>
           </a:p>
@@ -688,7 +689,7 @@
           <a:p>
             <a:fld id="{965F2548-BC9C-4475-B21A-F1F1BFD43EA5}" type="datetimeFigureOut">
               <a:rPr lang="en-US" smtClean="0"/>
-              <a:t>2/10/2021</a:t>
+              <a:t>2/28/2021</a:t>
             </a:fld>
             <a:endParaRPr lang="en-US"/>
           </a:p>
@@ -886,7 +887,7 @@
           <a:p>
             <a:fld id="{965F2548-BC9C-4475-B21A-F1F1BFD43EA5}" type="datetimeFigureOut">
               <a:rPr lang="en-US" smtClean="0"/>
-              <a:t>2/10/2021</a:t>
+              <a:t>2/28/2021</a:t>
             </a:fld>
             <a:endParaRPr lang="en-US"/>
           </a:p>
@@ -1161,7 +1162,7 @@
           <a:p>
             <a:fld id="{965F2548-BC9C-4475-B21A-F1F1BFD43EA5}" type="datetimeFigureOut">
               <a:rPr lang="en-US" smtClean="0"/>
-              <a:t>2/10/2021</a:t>
+              <a:t>2/28/2021</a:t>
             </a:fld>
             <a:endParaRPr lang="en-US"/>
           </a:p>
@@ -1426,7 +1427,7 @@
           <a:p>
             <a:fld id="{965F2548-BC9C-4475-B21A-F1F1BFD43EA5}" type="datetimeFigureOut">
               <a:rPr lang="en-US" smtClean="0"/>
-              <a:t>2/10/2021</a:t>
+              <a:t>2/28/2021</a:t>
             </a:fld>
             <a:endParaRPr lang="en-US"/>
           </a:p>
@@ -1838,7 +1839,7 @@
           <a:p>
             <a:fld id="{965F2548-BC9C-4475-B21A-F1F1BFD43EA5}" type="datetimeFigureOut">
               <a:rPr lang="en-US" smtClean="0"/>
-              <a:t>2/10/2021</a:t>
+              <a:t>2/28/2021</a:t>
             </a:fld>
             <a:endParaRPr lang="en-US"/>
           </a:p>
@@ -1979,7 +1980,7 @@
           <a:p>
             <a:fld id="{965F2548-BC9C-4475-B21A-F1F1BFD43EA5}" type="datetimeFigureOut">
               <a:rPr lang="en-US" smtClean="0"/>
-              <a:t>2/10/2021</a:t>
+              <a:t>2/28/2021</a:t>
             </a:fld>
             <a:endParaRPr lang="en-US"/>
           </a:p>
@@ -2092,7 +2093,7 @@
           <a:p>
             <a:fld id="{965F2548-BC9C-4475-B21A-F1F1BFD43EA5}" type="datetimeFigureOut">
               <a:rPr lang="en-US" smtClean="0"/>
-              <a:t>2/10/2021</a:t>
+              <a:t>2/28/2021</a:t>
             </a:fld>
             <a:endParaRPr lang="en-US"/>
           </a:p>
@@ -2403,7 +2404,7 @@
           <a:p>
             <a:fld id="{965F2548-BC9C-4475-B21A-F1F1BFD43EA5}" type="datetimeFigureOut">
               <a:rPr lang="en-US" smtClean="0"/>
-              <a:t>2/10/2021</a:t>
+              <a:t>2/28/2021</a:t>
             </a:fld>
             <a:endParaRPr lang="en-US"/>
           </a:p>
@@ -2691,7 +2692,7 @@
           <a:p>
             <a:fld id="{965F2548-BC9C-4475-B21A-F1F1BFD43EA5}" type="datetimeFigureOut">
               <a:rPr lang="en-US" smtClean="0"/>
-              <a:t>2/10/2021</a:t>
+              <a:t>2/28/2021</a:t>
             </a:fld>
             <a:endParaRPr lang="en-US"/>
           </a:p>
@@ -2932,7 +2933,7 @@
           <a:p>
             <a:fld id="{965F2548-BC9C-4475-B21A-F1F1BFD43EA5}" type="datetimeFigureOut">
               <a:rPr lang="en-US" smtClean="0"/>
-              <a:t>2/10/2021</a:t>
+              <a:t>2/28/2021</a:t>
             </a:fld>
             <a:endParaRPr lang="en-US"/>
           </a:p>
@@ -3682,6 +3683,72 @@
     <p:extLst>
       <p:ext uri="{BB962C8B-B14F-4D97-AF65-F5344CB8AC3E}">
         <p14:creationId xmlns:p14="http://schemas.microsoft.com/office/powerpoint/2010/main" val="1332375363"/>
+      </p:ext>
+    </p:extLst>
+  </p:cSld>
+  <p:clrMapOvr>
+    <a:masterClrMapping/>
+  </p:clrMapOvr>
+</p:sld>
+</file>
+
+<file path=ppt/slides/slide14.xml><?xml version="1.0" encoding="utf-8"?>
+<p:sld xmlns:a="http://schemas.openxmlformats.org/drawingml/2006/main" xmlns:r="http://schemas.openxmlformats.org/officeDocument/2006/relationships" xmlns:p="http://schemas.openxmlformats.org/presentationml/2006/main">
+  <p:cSld>
+    <p:spTree>
+      <p:nvGrpSpPr>
+        <p:cNvPr id="1" name=""/>
+        <p:cNvGrpSpPr/>
+        <p:nvPr/>
+      </p:nvGrpSpPr>
+      <p:grpSpPr>
+        <a:xfrm>
+          <a:off x="0" y="0"/>
+          <a:ext cx="0" cy="0"/>
+          <a:chOff x="0" y="0"/>
+          <a:chExt cx="0" cy="0"/>
+        </a:xfrm>
+      </p:grpSpPr>
+      <p:pic>
+        <p:nvPicPr>
+          <p:cNvPr id="5" name="Picture 4" descr="Diagram&#10;&#10;Description automatically generated">
+            <a:extLst>
+              <a:ext uri="{FF2B5EF4-FFF2-40B4-BE49-F238E27FC236}">
+                <a16:creationId xmlns:a16="http://schemas.microsoft.com/office/drawing/2014/main" id="{6A8D6C84-06BA-4BB2-A151-73D632CA48E7}"/>
+              </a:ext>
+            </a:extLst>
+          </p:cNvPr>
+          <p:cNvPicPr>
+            <a:picLocks noChangeAspect="1"/>
+          </p:cNvPicPr>
+          <p:nvPr/>
+        </p:nvPicPr>
+        <p:blipFill>
+          <a:blip r:embed="rId2">
+            <a:extLst>
+              <a:ext uri="{28A0092B-C50C-407E-A947-70E740481C1C}">
+                <a14:useLocalDpi xmlns:a14="http://schemas.microsoft.com/office/drawing/2010/main" val="0"/>
+              </a:ext>
+            </a:extLst>
+          </a:blip>
+          <a:stretch>
+            <a:fillRect/>
+          </a:stretch>
+        </p:blipFill>
+        <p:spPr>
+          <a:xfrm>
+            <a:off x="1247124" y="0"/>
+            <a:ext cx="9697752" cy="6858000"/>
+          </a:xfrm>
+          <a:prstGeom prst="rect">
+            <a:avLst/>
+          </a:prstGeom>
+        </p:spPr>
+      </p:pic>
+    </p:spTree>
+    <p:extLst>
+      <p:ext uri="{BB962C8B-B14F-4D97-AF65-F5344CB8AC3E}">
+        <p14:creationId xmlns:p14="http://schemas.microsoft.com/office/powerpoint/2010/main" val="279346502"/>
       </p:ext>
     </p:extLst>
   </p:cSld>
